--- a/HTML CLASS/New Microsoft PowerPoint Presentation.pptx
+++ b/HTML CLASS/New Microsoft PowerPoint Presentation.pptx
@@ -206,7 +206,7 @@
           <a:p>
             <a:fld id="{1C5C728F-6937-4256-A140-601468B60D21}" type="datetimeFigureOut">
               <a:rPr lang="en-US" smtClean="0"/>
-              <a:t>8/29/2022</a:t>
+              <a:t>1/20/2023</a:t>
             </a:fld>
             <a:endParaRPr lang="en-US"/>
           </a:p>
@@ -893,7 +893,7 @@
           <a:p>
             <a:fld id="{09E4B4B5-4BE4-4C4E-93DE-872D40A7FB7A}" type="datetimeFigureOut">
               <a:rPr lang="en-US" smtClean="0"/>
-              <a:t>8/29/2022</a:t>
+              <a:t>1/20/2023</a:t>
             </a:fld>
             <a:endParaRPr lang="en-US"/>
           </a:p>
@@ -1981,7 +1981,7 @@
           <a:p>
             <a:fld id="{09E4B4B5-4BE4-4C4E-93DE-872D40A7FB7A}" type="datetimeFigureOut">
               <a:rPr lang="en-US" smtClean="0"/>
-              <a:t>8/29/2022</a:t>
+              <a:t>1/20/2023</a:t>
             </a:fld>
             <a:endParaRPr lang="en-US"/>
           </a:p>
@@ -2961,7 +2961,7 @@
           <a:p>
             <a:fld id="{09E4B4B5-4BE4-4C4E-93DE-872D40A7FB7A}" type="datetimeFigureOut">
               <a:rPr lang="en-US" smtClean="0"/>
-              <a:t>8/29/2022</a:t>
+              <a:t>1/20/2023</a:t>
             </a:fld>
             <a:endParaRPr lang="en-US"/>
           </a:p>
@@ -4095,7 +4095,7 @@
           <a:p>
             <a:fld id="{09E4B4B5-4BE4-4C4E-93DE-872D40A7FB7A}" type="datetimeFigureOut">
               <a:rPr lang="en-US" smtClean="0"/>
-              <a:t>8/29/2022</a:t>
+              <a:t>1/20/2023</a:t>
             </a:fld>
             <a:endParaRPr lang="en-US"/>
           </a:p>
@@ -5128,7 +5128,7 @@
           <a:p>
             <a:fld id="{09E4B4B5-4BE4-4C4E-93DE-872D40A7FB7A}" type="datetimeFigureOut">
               <a:rPr lang="en-US" smtClean="0"/>
-              <a:t>8/29/2022</a:t>
+              <a:t>1/20/2023</a:t>
             </a:fld>
             <a:endParaRPr lang="en-US"/>
           </a:p>
@@ -5788,7 +5788,7 @@
           <a:p>
             <a:fld id="{09E4B4B5-4BE4-4C4E-93DE-872D40A7FB7A}" type="datetimeFigureOut">
               <a:rPr lang="en-US" smtClean="0"/>
-              <a:t>8/29/2022</a:t>
+              <a:t>1/20/2023</a:t>
             </a:fld>
             <a:endParaRPr lang="en-US"/>
           </a:p>
@@ -6649,7 +6649,7 @@
           <a:p>
             <a:fld id="{09E4B4B5-4BE4-4C4E-93DE-872D40A7FB7A}" type="datetimeFigureOut">
               <a:rPr lang="en-US" smtClean="0"/>
-              <a:t>8/29/2022</a:t>
+              <a:t>1/20/2023</a:t>
             </a:fld>
             <a:endParaRPr lang="en-US"/>
           </a:p>
@@ -6839,7 +6839,7 @@
           <a:p>
             <a:fld id="{09E4B4B5-4BE4-4C4E-93DE-872D40A7FB7A}" type="datetimeFigureOut">
               <a:rPr lang="en-US" smtClean="0"/>
-              <a:t>8/29/2022</a:t>
+              <a:t>1/20/2023</a:t>
             </a:fld>
             <a:endParaRPr lang="en-US"/>
           </a:p>
@@ -7811,7 +7811,7 @@
           <a:p>
             <a:fld id="{09E4B4B5-4BE4-4C4E-93DE-872D40A7FB7A}" type="datetimeFigureOut">
               <a:rPr lang="en-US" smtClean="0"/>
-              <a:t>8/29/2022</a:t>
+              <a:t>1/20/2023</a:t>
             </a:fld>
             <a:endParaRPr lang="en-US"/>
           </a:p>
@@ -8022,7 +8022,7 @@
           <a:p>
             <a:fld id="{09E4B4B5-4BE4-4C4E-93DE-872D40A7FB7A}" type="datetimeFigureOut">
               <a:rPr lang="en-US" smtClean="0"/>
-              <a:t>8/29/2022</a:t>
+              <a:t>1/20/2023</a:t>
             </a:fld>
             <a:endParaRPr lang="en-US"/>
           </a:p>
@@ -9056,7 +9056,7 @@
           <a:p>
             <a:fld id="{09E4B4B5-4BE4-4C4E-93DE-872D40A7FB7A}" type="datetimeFigureOut">
               <a:rPr lang="en-US" smtClean="0"/>
-              <a:t>8/29/2022</a:t>
+              <a:t>1/20/2023</a:t>
             </a:fld>
             <a:endParaRPr lang="en-US"/>
           </a:p>
@@ -9328,7 +9328,7 @@
           <a:p>
             <a:fld id="{09E4B4B5-4BE4-4C4E-93DE-872D40A7FB7A}" type="datetimeFigureOut">
               <a:rPr lang="en-US" smtClean="0"/>
-              <a:t>8/29/2022</a:t>
+              <a:t>1/20/2023</a:t>
             </a:fld>
             <a:endParaRPr lang="en-US"/>
           </a:p>
@@ -9738,7 +9738,7 @@
           <a:p>
             <a:fld id="{09E4B4B5-4BE4-4C4E-93DE-872D40A7FB7A}" type="datetimeFigureOut">
               <a:rPr lang="en-US" smtClean="0"/>
-              <a:t>8/29/2022</a:t>
+              <a:t>1/20/2023</a:t>
             </a:fld>
             <a:endParaRPr lang="en-US"/>
           </a:p>
@@ -9865,7 +9865,7 @@
           <a:p>
             <a:fld id="{09E4B4B5-4BE4-4C4E-93DE-872D40A7FB7A}" type="datetimeFigureOut">
               <a:rPr lang="en-US" smtClean="0"/>
-              <a:t>8/29/2022</a:t>
+              <a:t>1/20/2023</a:t>
             </a:fld>
             <a:endParaRPr lang="en-US"/>
           </a:p>
@@ -9960,7 +9960,7 @@
           <a:p>
             <a:fld id="{09E4B4B5-4BE4-4C4E-93DE-872D40A7FB7A}" type="datetimeFigureOut">
               <a:rPr lang="en-US" smtClean="0"/>
-              <a:t>8/29/2022</a:t>
+              <a:t>1/20/2023</a:t>
             </a:fld>
             <a:endParaRPr lang="en-US"/>
           </a:p>
@@ -11041,7 +11041,7 @@
           <a:p>
             <a:fld id="{09E4B4B5-4BE4-4C4E-93DE-872D40A7FB7A}" type="datetimeFigureOut">
               <a:rPr lang="en-US" smtClean="0"/>
-              <a:t>8/29/2022</a:t>
+              <a:t>1/20/2023</a:t>
             </a:fld>
             <a:endParaRPr lang="en-US"/>
           </a:p>
@@ -12149,7 +12149,7 @@
           <a:p>
             <a:fld id="{09E4B4B5-4BE4-4C4E-93DE-872D40A7FB7A}" type="datetimeFigureOut">
               <a:rPr lang="en-US" smtClean="0"/>
-              <a:t>8/29/2022</a:t>
+              <a:t>1/20/2023</a:t>
             </a:fld>
             <a:endParaRPr lang="en-US"/>
           </a:p>
@@ -13146,7 +13146,7 @@
           <a:p>
             <a:fld id="{09E4B4B5-4BE4-4C4E-93DE-872D40A7FB7A}" type="datetimeFigureOut">
               <a:rPr lang="en-US" smtClean="0"/>
-              <a:t>8/29/2022</a:t>
+              <a:t>1/20/2023</a:t>
             </a:fld>
             <a:endParaRPr lang="en-US"/>
           </a:p>
@@ -13722,8 +13722,8 @@
           <a:p>
             <a:pPr algn="ctr"/>
             <a:r>
-              <a:rPr lang="en-US" dirty="0" smtClean="0"/>
-              <a:t>Alas Moto’s</a:t>
+              <a:rPr lang="en-US" smtClean="0"/>
+              <a:t>Alas Autos</a:t>
             </a:r>
             <a:endParaRPr lang="en-US" dirty="0"/>
           </a:p>
@@ -14355,64 +14355,49 @@
           <a:p>
             <a:r>
               <a:rPr lang="en-US" dirty="0" smtClean="0"/>
-              <a:t>Toyota </a:t>
+              <a:t>Toyota  Cars</a:t>
             </a:r>
-            <a:r>
-              <a:rPr lang="en-US" dirty="0" smtClean="0"/>
-              <a:t> Cars</a:t>
-            </a:r>
-            <a:endParaRPr lang="en-US" dirty="0" smtClean="0"/>
           </a:p>
           <a:p>
             <a:r>
               <a:rPr lang="en-US" dirty="0" smtClean="0"/>
               <a:t>Nissan Cars</a:t>
             </a:r>
-            <a:endParaRPr lang="en-US" dirty="0" smtClean="0"/>
           </a:p>
           <a:p>
             <a:r>
               <a:rPr lang="en-US" dirty="0" smtClean="0"/>
               <a:t>Lexus Cars</a:t>
             </a:r>
-            <a:endParaRPr lang="en-US" dirty="0" smtClean="0"/>
           </a:p>
           <a:p>
             <a:r>
               <a:rPr lang="en-US" dirty="0" smtClean="0"/>
               <a:t>Acura Cars</a:t>
             </a:r>
-            <a:endParaRPr lang="en-US" dirty="0" smtClean="0"/>
           </a:p>
           <a:p>
             <a:r>
               <a:rPr lang="en-US" dirty="0" smtClean="0"/>
               <a:t>Honda Cars</a:t>
             </a:r>
-            <a:endParaRPr lang="en-US" dirty="0" smtClean="0"/>
           </a:p>
           <a:p>
             <a:r>
               <a:rPr lang="en-US" dirty="0" smtClean="0"/>
               <a:t>Benz Cars</a:t>
             </a:r>
-            <a:endParaRPr lang="en-US" dirty="0" smtClean="0"/>
           </a:p>
           <a:p>
             <a:r>
               <a:rPr lang="en-US" dirty="0" smtClean="0"/>
               <a:t>Kia Cars</a:t>
             </a:r>
-            <a:endParaRPr lang="en-US" dirty="0" smtClean="0"/>
           </a:p>
           <a:p>
             <a:r>
               <a:rPr lang="en-US" dirty="0" smtClean="0"/>
-              <a:t>Audi Cars </a:t>
-            </a:r>
-            <a:r>
-              <a:rPr lang="en-US" dirty="0" smtClean="0"/>
-              <a:t>and so on</a:t>
+              <a:t>Audi Cars and so on</a:t>
             </a:r>
           </a:p>
           <a:p>
